--- a/Reporte_noviembre_2023.pptx
+++ b/Reporte_noviembre_2023.pptx
@@ -6255,10 +6255,10 @@
       </p:grpSpPr>
       <p:pic>
         <p:nvPicPr>
-          <p:cNvPr id="4" name="Imagen 3">
-            <a:extLst>
-              <a:ext uri="{FF2B5EF4-FFF2-40B4-BE49-F238E27FC236}">
-                <a16:creationId xmlns:a16="http://schemas.microsoft.com/office/drawing/2014/main" id="{88A42314-41ED-784E-A3D7-A2C9A1860F84}"/>
+          <p:cNvPr id="3" name="Imagen 2">
+            <a:extLst>
+              <a:ext uri="{FF2B5EF4-FFF2-40B4-BE49-F238E27FC236}">
+                <a16:creationId xmlns:a16="http://schemas.microsoft.com/office/drawing/2014/main" id="{E3B22B92-0D18-0E07-A863-AC5F5A460845}"/>
               </a:ext>
             </a:extLst>
           </p:cNvPr>
@@ -6275,8 +6275,8 @@
         </p:blipFill>
         <p:spPr>
           <a:xfrm>
-            <a:off x="0" y="514904"/>
-            <a:ext cx="12098857" cy="5310927"/>
+            <a:off x="0" y="527787"/>
+            <a:ext cx="12192000" cy="5802425"/>
           </a:xfrm>
           <a:prstGeom prst="rect">
             <a:avLst/>
@@ -6310,10 +6310,10 @@
       </p:grpSpPr>
       <p:pic>
         <p:nvPicPr>
-          <p:cNvPr id="9" name="Imagen 8">
-            <a:extLst>
-              <a:ext uri="{FF2B5EF4-FFF2-40B4-BE49-F238E27FC236}">
-                <a16:creationId xmlns:a16="http://schemas.microsoft.com/office/drawing/2014/main" id="{9DADBF19-1AB7-95BF-5FD2-DBC90490C46C}"/>
+          <p:cNvPr id="3" name="Imagen 2">
+            <a:extLst>
+              <a:ext uri="{FF2B5EF4-FFF2-40B4-BE49-F238E27FC236}">
+                <a16:creationId xmlns:a16="http://schemas.microsoft.com/office/drawing/2014/main" id="{F7AC642D-4732-1B32-C8D2-77819FA4BA83}"/>
               </a:ext>
             </a:extLst>
           </p:cNvPr>
@@ -6330,8 +6330,8 @@
         </p:blipFill>
         <p:spPr>
           <a:xfrm>
-            <a:off x="0" y="401275"/>
-            <a:ext cx="12192000" cy="6055450"/>
+            <a:off x="0" y="381000"/>
+            <a:ext cx="12192000" cy="6096000"/>
           </a:xfrm>
           <a:prstGeom prst="rect">
             <a:avLst/>
@@ -6480,10 +6480,10 @@
       </p:sp>
       <p:pic>
         <p:nvPicPr>
-          <p:cNvPr id="4" name="Imagen 3">
-            <a:extLst>
-              <a:ext uri="{FF2B5EF4-FFF2-40B4-BE49-F238E27FC236}">
-                <a16:creationId xmlns:a16="http://schemas.microsoft.com/office/drawing/2014/main" id="{3B2E7884-DA34-78C6-559C-96468C479341}"/>
+          <p:cNvPr id="5" name="Imagen 4">
+            <a:extLst>
+              <a:ext uri="{FF2B5EF4-FFF2-40B4-BE49-F238E27FC236}">
+                <a16:creationId xmlns:a16="http://schemas.microsoft.com/office/drawing/2014/main" id="{222E21F8-8693-8C30-A0CE-CDA43BF6865A}"/>
               </a:ext>
             </a:extLst>
           </p:cNvPr>
@@ -6500,8 +6500,38 @@
         </p:blipFill>
         <p:spPr>
           <a:xfrm>
-            <a:off x="0" y="1351272"/>
-            <a:ext cx="12192000" cy="5735682"/>
+            <a:off x="2195512" y="1391442"/>
+            <a:ext cx="4162425" cy="5466558"/>
+          </a:xfrm>
+          <a:prstGeom prst="rect">
+            <a:avLst/>
+          </a:prstGeom>
+        </p:spPr>
+      </p:pic>
+      <p:pic>
+        <p:nvPicPr>
+          <p:cNvPr id="9" name="Imagen 8">
+            <a:extLst>
+              <a:ext uri="{FF2B5EF4-FFF2-40B4-BE49-F238E27FC236}">
+                <a16:creationId xmlns:a16="http://schemas.microsoft.com/office/drawing/2014/main" id="{E48E1FA9-12EB-E552-DC59-D99D67303E81}"/>
+              </a:ext>
+            </a:extLst>
+          </p:cNvPr>
+          <p:cNvPicPr>
+            <a:picLocks noChangeAspect="1"/>
+          </p:cNvPicPr>
+          <p:nvPr/>
+        </p:nvPicPr>
+        <p:blipFill>
+          <a:blip r:embed="rId3"/>
+          <a:stretch>
+            <a:fillRect/>
+          </a:stretch>
+        </p:blipFill>
+        <p:spPr>
+          <a:xfrm>
+            <a:off x="6000789" y="1200149"/>
+            <a:ext cx="3648036" cy="5572125"/>
           </a:xfrm>
           <a:prstGeom prst="rect">
             <a:avLst/>
